--- a/demoPPT.pptx
+++ b/demoPPT.pptx
@@ -115,6 +115,11 @@
       </a:defRPr>
     </a:lvl9pPr>
   </p:defaultTextStyle>
+  <p:extLst>
+    <p:ext uri="{EFAFB233-063F-42B5-8137-9DF3F51BA10A}">
+      <p15:sldGuideLst xmlns:p15="http://schemas.microsoft.com/office/powerpoint/2012/main"/>
+    </p:ext>
+  </p:extLst>
 </p:presentation>
 </file>
 
@@ -130,19 +135,19 @@
 <pc:chgInfo xmlns:a="http://schemas.openxmlformats.org/drawingml/2006/main" xmlns:r="http://schemas.openxmlformats.org/officeDocument/2006/relationships" xmlns:ac="http://schemas.microsoft.com/office/drawing/2013/main/command" xmlns:pc="http://schemas.microsoft.com/office/powerpoint/2013/main/command">
   <pc:docChgLst>
     <pc:chgData name="Sanath Nagaraj" userId="24339da7c257744b" providerId="LiveId" clId="{31B8865F-D53A-4499-8E75-776DD7E3FD45}"/>
-    <pc:docChg chg="custSel mod addSld delSld modSld modMainMaster">
-      <pc:chgData name="Sanath Nagaraj" userId="24339da7c257744b" providerId="LiveId" clId="{31B8865F-D53A-4499-8E75-776DD7E3FD45}" dt="2018-10-21T09:41:16.807" v="450"/>
+    <pc:docChg chg="undo custSel mod addSld delSld modSld modMainMaster">
+      <pc:chgData name="Sanath Nagaraj" userId="24339da7c257744b" providerId="LiveId" clId="{31B8865F-D53A-4499-8E75-776DD7E3FD45}" dt="2018-10-21T10:27:14.241" v="472" actId="26606"/>
       <pc:docMkLst>
         <pc:docMk/>
       </pc:docMkLst>
-      <pc:sldChg chg="addSp modSp mod modTransition setBg">
-        <pc:chgData name="Sanath Nagaraj" userId="24339da7c257744b" providerId="LiveId" clId="{31B8865F-D53A-4499-8E75-776DD7E3FD45}" dt="2018-10-21T09:39:25.389" v="406"/>
+      <pc:sldChg chg="addSp delSp modSp mod modTransition setBg">
+        <pc:chgData name="Sanath Nagaraj" userId="24339da7c257744b" providerId="LiveId" clId="{31B8865F-D53A-4499-8E75-776DD7E3FD45}" dt="2018-10-21T10:27:14.241" v="472" actId="26606"/>
         <pc:sldMkLst>
           <pc:docMk/>
           <pc:sldMk cId="1691198095" sldId="256"/>
         </pc:sldMkLst>
         <pc:spChg chg="mod">
-          <ac:chgData name="Sanath Nagaraj" userId="24339da7c257744b" providerId="LiveId" clId="{31B8865F-D53A-4499-8E75-776DD7E3FD45}" dt="2018-10-21T08:09:16.482" v="250" actId="20577"/>
+          <ac:chgData name="Sanath Nagaraj" userId="24339da7c257744b" providerId="LiveId" clId="{31B8865F-D53A-4499-8E75-776DD7E3FD45}" dt="2018-10-21T10:27:14.241" v="472" actId="26606"/>
           <ac:spMkLst>
             <pc:docMk/>
             <pc:sldMk cId="1691198095" sldId="256"/>
@@ -150,27 +155,107 @@
           </ac:spMkLst>
         </pc:spChg>
         <pc:spChg chg="mod">
-          <ac:chgData name="Sanath Nagaraj" userId="24339da7c257744b" providerId="LiveId" clId="{31B8865F-D53A-4499-8E75-776DD7E3FD45}" dt="2018-10-21T08:09:02.420" v="246" actId="27636"/>
+          <ac:chgData name="Sanath Nagaraj" userId="24339da7c257744b" providerId="LiveId" clId="{31B8865F-D53A-4499-8E75-776DD7E3FD45}" dt="2018-10-21T10:27:14.241" v="472" actId="26606"/>
           <ac:spMkLst>
             <pc:docMk/>
             <pc:sldMk cId="1691198095" sldId="256"/>
             <ac:spMk id="3" creationId="{AFA8EF26-4C2A-419E-8E93-FC06025B0F31}"/>
           </ac:spMkLst>
         </pc:spChg>
-        <pc:spChg chg="add">
-          <ac:chgData name="Sanath Nagaraj" userId="24339da7c257744b" providerId="LiveId" clId="{31B8865F-D53A-4499-8E75-776DD7E3FD45}" dt="2018-10-21T08:08:36.700" v="159" actId="26606"/>
+        <pc:spChg chg="add del">
+          <ac:chgData name="Sanath Nagaraj" userId="24339da7c257744b" providerId="LiveId" clId="{31B8865F-D53A-4499-8E75-776DD7E3FD45}" dt="2018-10-21T10:27:14.241" v="472" actId="26606"/>
           <ac:spMkLst>
             <pc:docMk/>
             <pc:sldMk cId="1691198095" sldId="256"/>
             <ac:spMk id="8" creationId="{86197D16-FE75-4A0E-A0C9-28C0F04A43DF}"/>
           </ac:spMkLst>
         </pc:spChg>
-        <pc:picChg chg="add">
-          <ac:chgData name="Sanath Nagaraj" userId="24339da7c257744b" providerId="LiveId" clId="{31B8865F-D53A-4499-8E75-776DD7E3FD45}" dt="2018-10-21T08:08:36.700" v="159" actId="26606"/>
+        <pc:spChg chg="add del">
+          <ac:chgData name="Sanath Nagaraj" userId="24339da7c257744b" providerId="LiveId" clId="{31B8865F-D53A-4499-8E75-776DD7E3FD45}" dt="2018-10-21T10:27:09.094" v="467" actId="26606"/>
+          <ac:spMkLst>
+            <pc:docMk/>
+            <pc:sldMk cId="1691198095" sldId="256"/>
+            <ac:spMk id="15" creationId="{A495F8E3-5243-4F02-AC53-F05721B35358}"/>
+          </ac:spMkLst>
+        </pc:spChg>
+        <pc:spChg chg="add del">
+          <ac:chgData name="Sanath Nagaraj" userId="24339da7c257744b" providerId="LiveId" clId="{31B8865F-D53A-4499-8E75-776DD7E3FD45}" dt="2018-10-21T10:27:14.234" v="471" actId="26606"/>
+          <ac:spMkLst>
+            <pc:docMk/>
+            <pc:sldMk cId="1691198095" sldId="256"/>
+            <ac:spMk id="19" creationId="{E513936D-D1EB-4E42-A97F-942BA1F3DFA7}"/>
+          </ac:spMkLst>
+        </pc:spChg>
+        <pc:spChg chg="add del">
+          <ac:chgData name="Sanath Nagaraj" userId="24339da7c257744b" providerId="LiveId" clId="{31B8865F-D53A-4499-8E75-776DD7E3FD45}" dt="2018-10-21T10:27:12.414" v="469" actId="26606"/>
+          <ac:spMkLst>
+            <pc:docMk/>
+            <pc:sldMk cId="1691198095" sldId="256"/>
+            <ac:spMk id="43" creationId="{2643BE6C-86B7-4AB9-91E8-9B5DB45AC8EA}"/>
+          </ac:spMkLst>
+        </pc:spChg>
+        <pc:spChg chg="add del">
+          <ac:chgData name="Sanath Nagaraj" userId="24339da7c257744b" providerId="LiveId" clId="{31B8865F-D53A-4499-8E75-776DD7E3FD45}" dt="2018-10-21T10:27:14.234" v="471" actId="26606"/>
+          <ac:spMkLst>
+            <pc:docMk/>
+            <pc:sldMk cId="1691198095" sldId="256"/>
+            <ac:spMk id="45" creationId="{D8386171-E87D-46AB-8718-4CE2A88748BD}"/>
+          </ac:spMkLst>
+        </pc:spChg>
+        <pc:spChg chg="add del">
+          <ac:chgData name="Sanath Nagaraj" userId="24339da7c257744b" providerId="LiveId" clId="{31B8865F-D53A-4499-8E75-776DD7E3FD45}" dt="2018-10-21T10:27:14.234" v="471" actId="26606"/>
+          <ac:spMkLst>
+            <pc:docMk/>
+            <pc:sldMk cId="1691198095" sldId="256"/>
+            <ac:spMk id="46" creationId="{207CB456-8849-413C-8210-B663779A32E0}"/>
+          </ac:spMkLst>
+        </pc:spChg>
+        <pc:spChg chg="add">
+          <ac:chgData name="Sanath Nagaraj" userId="24339da7c257744b" providerId="LiveId" clId="{31B8865F-D53A-4499-8E75-776DD7E3FD45}" dt="2018-10-21T10:27:14.241" v="472" actId="26606"/>
+          <ac:spMkLst>
+            <pc:docMk/>
+            <pc:sldMk cId="1691198095" sldId="256"/>
+            <ac:spMk id="48" creationId="{2643BE6C-86B7-4AB9-91E8-9B5DB45AC8EA}"/>
+          </ac:spMkLst>
+        </pc:spChg>
+        <pc:grpChg chg="add del">
+          <ac:chgData name="Sanath Nagaraj" userId="24339da7c257744b" providerId="LiveId" clId="{31B8865F-D53A-4499-8E75-776DD7E3FD45}" dt="2018-10-21T10:27:09.094" v="467" actId="26606"/>
+          <ac:grpSpMkLst>
+            <pc:docMk/>
+            <pc:sldMk cId="1691198095" sldId="256"/>
+            <ac:grpSpMk id="17" creationId="{45280F9F-2129-4B35-86B4-8A4267DFA30E}"/>
+          </ac:grpSpMkLst>
+        </pc:grpChg>
+        <pc:grpChg chg="add del">
+          <ac:chgData name="Sanath Nagaraj" userId="24339da7c257744b" providerId="LiveId" clId="{31B8865F-D53A-4499-8E75-776DD7E3FD45}" dt="2018-10-21T10:27:09.094" v="467" actId="26606"/>
+          <ac:grpSpMkLst>
+            <pc:docMk/>
+            <pc:sldMk cId="1691198095" sldId="256"/>
+            <ac:grpSpMk id="38" creationId="{EF79D782-A9ED-4AEE-B67D-DDD6F1CB5260}"/>
+          </ac:grpSpMkLst>
+        </pc:grpChg>
+        <pc:picChg chg="add del">
+          <ac:chgData name="Sanath Nagaraj" userId="24339da7c257744b" providerId="LiveId" clId="{31B8865F-D53A-4499-8E75-776DD7E3FD45}" dt="2018-10-21T10:27:14.241" v="472" actId="26606"/>
           <ac:picMkLst>
             <pc:docMk/>
             <pc:sldMk cId="1691198095" sldId="256"/>
             <ac:picMk id="10" creationId="{FA8FCEC6-4B30-4FF2-8B32-504BEAEA3A16}"/>
+          </ac:picMkLst>
+        </pc:picChg>
+        <pc:picChg chg="add del">
+          <ac:chgData name="Sanath Nagaraj" userId="24339da7c257744b" providerId="LiveId" clId="{31B8865F-D53A-4499-8E75-776DD7E3FD45}" dt="2018-10-21T10:27:12.414" v="469" actId="26606"/>
+          <ac:picMkLst>
+            <pc:docMk/>
+            <pc:sldMk cId="1691198095" sldId="256"/>
+            <ac:picMk id="14" creationId="{B3489A50-A22E-4FE4-B485-F0681948D43F}"/>
+          </ac:picMkLst>
+        </pc:picChg>
+        <pc:picChg chg="add">
+          <ac:chgData name="Sanath Nagaraj" userId="24339da7c257744b" providerId="LiveId" clId="{31B8865F-D53A-4499-8E75-776DD7E3FD45}" dt="2018-10-21T10:27:14.241" v="472" actId="26606"/>
+          <ac:picMkLst>
+            <pc:docMk/>
+            <pc:sldMk cId="1691198095" sldId="256"/>
+            <ac:picMk id="49" creationId="{7C597BC2-9074-4B8B-B229-9E89813DD6BE}"/>
           </ac:picMkLst>
         </pc:picChg>
       </pc:sldChg>
@@ -1839,11 +1924,11 @@
   <p:clrMapOvr>
     <a:masterClrMapping/>
   </p:clrMapOvr>
-  <mc:AlternateContent xmlns:mc="http://schemas.openxmlformats.org/markup-compatibility/2006">
-    <mc:Choice xmlns:p14="http://schemas.microsoft.com/office/powerpoint/2010/main" Requires="p14">
+  <mc:AlternateContent xmlns:mc="http://schemas.openxmlformats.org/markup-compatibility/2006" xmlns:p14="http://schemas.microsoft.com/office/powerpoint/2010/main">
+    <mc:Choice Requires="p14">
       <p:transition spd="slow" p14:dur="2000" advTm="2000"/>
     </mc:Choice>
-    <mc:Fallback>
+    <mc:Fallback xmlns="">
       <p:transition spd="slow" advTm="2000"/>
     </mc:Fallback>
   </mc:AlternateContent>
@@ -2045,11 +2130,11 @@
   <p:clrMapOvr>
     <a:masterClrMapping/>
   </p:clrMapOvr>
-  <mc:AlternateContent xmlns:mc="http://schemas.openxmlformats.org/markup-compatibility/2006">
-    <mc:Choice xmlns:p14="http://schemas.microsoft.com/office/powerpoint/2010/main" Requires="p14">
+  <mc:AlternateContent xmlns:mc="http://schemas.openxmlformats.org/markup-compatibility/2006" xmlns:p14="http://schemas.microsoft.com/office/powerpoint/2010/main">
+    <mc:Choice Requires="p14">
       <p:transition spd="slow" p14:dur="2000" advTm="2000"/>
     </mc:Choice>
-    <mc:Fallback>
+    <mc:Fallback xmlns="">
       <p:transition spd="slow" advTm="2000"/>
     </mc:Fallback>
   </mc:AlternateContent>
@@ -2261,11 +2346,11 @@
   <p:clrMapOvr>
     <a:masterClrMapping/>
   </p:clrMapOvr>
-  <mc:AlternateContent xmlns:mc="http://schemas.openxmlformats.org/markup-compatibility/2006">
-    <mc:Choice xmlns:p14="http://schemas.microsoft.com/office/powerpoint/2010/main" Requires="p14">
+  <mc:AlternateContent xmlns:mc="http://schemas.openxmlformats.org/markup-compatibility/2006" xmlns:p14="http://schemas.microsoft.com/office/powerpoint/2010/main">
+    <mc:Choice Requires="p14">
       <p:transition spd="slow" p14:dur="2000" advTm="2000"/>
     </mc:Choice>
-    <mc:Fallback>
+    <mc:Fallback xmlns="">
       <p:transition spd="slow" advTm="2000"/>
     </mc:Fallback>
   </mc:AlternateContent>
@@ -2467,11 +2552,11 @@
   <p:clrMapOvr>
     <a:masterClrMapping/>
   </p:clrMapOvr>
-  <mc:AlternateContent xmlns:mc="http://schemas.openxmlformats.org/markup-compatibility/2006">
-    <mc:Choice xmlns:p14="http://schemas.microsoft.com/office/powerpoint/2010/main" Requires="p14">
+  <mc:AlternateContent xmlns:mc="http://schemas.openxmlformats.org/markup-compatibility/2006" xmlns:p14="http://schemas.microsoft.com/office/powerpoint/2010/main">
+    <mc:Choice Requires="p14">
       <p:transition spd="slow" p14:dur="2000" advTm="2000"/>
     </mc:Choice>
-    <mc:Fallback>
+    <mc:Fallback xmlns="">
       <p:transition spd="slow" advTm="2000"/>
     </mc:Fallback>
   </mc:AlternateContent>
@@ -2750,11 +2835,11 @@
   <p:clrMapOvr>
     <a:masterClrMapping/>
   </p:clrMapOvr>
-  <mc:AlternateContent xmlns:mc="http://schemas.openxmlformats.org/markup-compatibility/2006">
-    <mc:Choice xmlns:p14="http://schemas.microsoft.com/office/powerpoint/2010/main" Requires="p14">
+  <mc:AlternateContent xmlns:mc="http://schemas.openxmlformats.org/markup-compatibility/2006" xmlns:p14="http://schemas.microsoft.com/office/powerpoint/2010/main">
+    <mc:Choice Requires="p14">
       <p:transition spd="slow" p14:dur="2000" advTm="2000"/>
     </mc:Choice>
-    <mc:Fallback>
+    <mc:Fallback xmlns="">
       <p:transition spd="slow" advTm="2000"/>
     </mc:Fallback>
   </mc:AlternateContent>
@@ -3023,11 +3108,11 @@
   <p:clrMapOvr>
     <a:masterClrMapping/>
   </p:clrMapOvr>
-  <mc:AlternateContent xmlns:mc="http://schemas.openxmlformats.org/markup-compatibility/2006">
-    <mc:Choice xmlns:p14="http://schemas.microsoft.com/office/powerpoint/2010/main" Requires="p14">
+  <mc:AlternateContent xmlns:mc="http://schemas.openxmlformats.org/markup-compatibility/2006" xmlns:p14="http://schemas.microsoft.com/office/powerpoint/2010/main">
+    <mc:Choice Requires="p14">
       <p:transition spd="slow" p14:dur="2000" advTm="2000"/>
     </mc:Choice>
-    <mc:Fallback>
+    <mc:Fallback xmlns="">
       <p:transition spd="slow" advTm="2000"/>
     </mc:Fallback>
   </mc:AlternateContent>
@@ -3443,11 +3528,11 @@
   <p:clrMapOvr>
     <a:masterClrMapping/>
   </p:clrMapOvr>
-  <mc:AlternateContent xmlns:mc="http://schemas.openxmlformats.org/markup-compatibility/2006">
-    <mc:Choice xmlns:p14="http://schemas.microsoft.com/office/powerpoint/2010/main" Requires="p14">
+  <mc:AlternateContent xmlns:mc="http://schemas.openxmlformats.org/markup-compatibility/2006" xmlns:p14="http://schemas.microsoft.com/office/powerpoint/2010/main">
+    <mc:Choice Requires="p14">
       <p:transition spd="slow" p14:dur="2000" advTm="2000"/>
     </mc:Choice>
-    <mc:Fallback>
+    <mc:Fallback xmlns="">
       <p:transition spd="slow" advTm="2000"/>
     </mc:Fallback>
   </mc:AlternateContent>
@@ -3592,11 +3677,11 @@
   <p:clrMapOvr>
     <a:masterClrMapping/>
   </p:clrMapOvr>
-  <mc:AlternateContent xmlns:mc="http://schemas.openxmlformats.org/markup-compatibility/2006">
-    <mc:Choice xmlns:p14="http://schemas.microsoft.com/office/powerpoint/2010/main" Requires="p14">
+  <mc:AlternateContent xmlns:mc="http://schemas.openxmlformats.org/markup-compatibility/2006" xmlns:p14="http://schemas.microsoft.com/office/powerpoint/2010/main">
+    <mc:Choice Requires="p14">
       <p:transition spd="slow" p14:dur="2000" advTm="2000"/>
     </mc:Choice>
-    <mc:Fallback>
+    <mc:Fallback xmlns="">
       <p:transition spd="slow" advTm="2000"/>
     </mc:Fallback>
   </mc:AlternateContent>
@@ -3713,11 +3798,11 @@
   <p:clrMapOvr>
     <a:masterClrMapping/>
   </p:clrMapOvr>
-  <mc:AlternateContent xmlns:mc="http://schemas.openxmlformats.org/markup-compatibility/2006">
-    <mc:Choice xmlns:p14="http://schemas.microsoft.com/office/powerpoint/2010/main" Requires="p14">
+  <mc:AlternateContent xmlns:mc="http://schemas.openxmlformats.org/markup-compatibility/2006" xmlns:p14="http://schemas.microsoft.com/office/powerpoint/2010/main">
+    <mc:Choice Requires="p14">
       <p:transition spd="slow" p14:dur="2000" advTm="2000"/>
     </mc:Choice>
-    <mc:Fallback>
+    <mc:Fallback xmlns="">
       <p:transition spd="slow" advTm="2000"/>
     </mc:Fallback>
   </mc:AlternateContent>
@@ -4032,11 +4117,11 @@
   <p:clrMapOvr>
     <a:masterClrMapping/>
   </p:clrMapOvr>
-  <mc:AlternateContent xmlns:mc="http://schemas.openxmlformats.org/markup-compatibility/2006">
-    <mc:Choice xmlns:p14="http://schemas.microsoft.com/office/powerpoint/2010/main" Requires="p14">
+  <mc:AlternateContent xmlns:mc="http://schemas.openxmlformats.org/markup-compatibility/2006" xmlns:p14="http://schemas.microsoft.com/office/powerpoint/2010/main">
+    <mc:Choice Requires="p14">
       <p:transition spd="slow" p14:dur="2000" advTm="2000"/>
     </mc:Choice>
-    <mc:Fallback>
+    <mc:Fallback xmlns="">
       <p:transition spd="slow" advTm="2000"/>
     </mc:Fallback>
   </mc:AlternateContent>
@@ -4328,11 +4413,11 @@
   <p:clrMapOvr>
     <a:masterClrMapping/>
   </p:clrMapOvr>
-  <mc:AlternateContent xmlns:mc="http://schemas.openxmlformats.org/markup-compatibility/2006">
-    <mc:Choice xmlns:p14="http://schemas.microsoft.com/office/powerpoint/2010/main" Requires="p14">
+  <mc:AlternateContent xmlns:mc="http://schemas.openxmlformats.org/markup-compatibility/2006" xmlns:p14="http://schemas.microsoft.com/office/powerpoint/2010/main">
+    <mc:Choice Requires="p14">
       <p:transition spd="slow" p14:dur="2000" advTm="2000"/>
     </mc:Choice>
-    <mc:Fallback>
+    <mc:Fallback xmlns="">
       <p:transition spd="slow" advTm="2000"/>
     </mc:Fallback>
   </mc:AlternateContent>
@@ -4624,11 +4709,11 @@
     <p:sldLayoutId id="2147483658" r:id="rId10"/>
     <p:sldLayoutId id="2147483659" r:id="rId11"/>
   </p:sldLayoutIdLst>
-  <mc:AlternateContent xmlns:mc="http://schemas.openxmlformats.org/markup-compatibility/2006">
-    <mc:Choice xmlns:p14="http://schemas.microsoft.com/office/powerpoint/2010/main" Requires="p14">
+  <mc:AlternateContent xmlns:mc="http://schemas.openxmlformats.org/markup-compatibility/2006" xmlns:p14="http://schemas.microsoft.com/office/powerpoint/2010/main">
+    <mc:Choice Requires="p14">
       <p:transition spd="slow" p14:dur="2000" advTm="2000"/>
     </mc:Choice>
-    <mc:Fallback>
+    <mc:Fallback xmlns="">
       <p:transition spd="slow" advTm="2000"/>
     </mc:Fallback>
   </mc:AlternateContent>
@@ -4942,10 +5027,10 @@
       </p:grpSpPr>
       <p:sp>
         <p:nvSpPr>
-          <p:cNvPr id="8" name="Rectangle 7">
-            <a:extLst>
-              <a:ext uri="{FF2B5EF4-FFF2-40B4-BE49-F238E27FC236}">
-                <a16:creationId xmlns:a16="http://schemas.microsoft.com/office/drawing/2014/main" id="{86197D16-FE75-4A0E-A0C9-28C0F04A43DF}"/>
+          <p:cNvPr id="48" name="Rectangle 16">
+            <a:extLst>
+              <a:ext uri="{FF2B5EF4-FFF2-40B4-BE49-F238E27FC236}">
+                <a16:creationId xmlns:a16="http://schemas.microsoft.com/office/drawing/2014/main" id="{2643BE6C-86B7-4AB9-91E8-9B5DB45AC8EA}"/>
               </a:ext>
               <a:ext uri="{C183D7F6-B498-43B3-948B-1728B52AA6E4}">
                 <adec:decorative xmlns:adec="http://schemas.microsoft.com/office/drawing/2017/decorative" val="1"/>
@@ -4965,37 +5050,15 @@
         </p:nvSpPr>
         <p:spPr>
           <a:xfrm>
-            <a:off x="0" y="0"/>
-            <a:ext cx="12192000" cy="5570220"/>
+            <a:off x="1588" y="0"/>
+            <a:ext cx="12188825" cy="4242816"/>
           </a:xfrm>
           <a:prstGeom prst="rect">
             <a:avLst/>
           </a:prstGeom>
-          <a:gradFill>
-            <a:gsLst>
-              <a:gs pos="0">
-                <a:schemeClr val="accent1">
-                  <a:lumMod val="90000"/>
-                </a:schemeClr>
-              </a:gs>
-              <a:gs pos="25000">
-                <a:schemeClr val="accent1">
-                  <a:lumMod val="90000"/>
-                </a:schemeClr>
-              </a:gs>
-              <a:gs pos="94000">
-                <a:schemeClr val="bg2">
-                  <a:lumMod val="25000"/>
-                </a:schemeClr>
-              </a:gs>
-              <a:gs pos="100000">
-                <a:schemeClr val="bg2">
-                  <a:lumMod val="25000"/>
-                </a:schemeClr>
-              </a:gs>
-            </a:gsLst>
-            <a:lin ang="4200000" scaled="0"/>
-          </a:gradFill>
+          <a:solidFill>
+            <a:schemeClr val="accent1"/>
+          </a:solidFill>
           <a:ln>
             <a:noFill/>
           </a:ln>
@@ -5020,100 +5083,40 @@
           <a:bodyPr rtlCol="0" anchor="ctr"/>
           <a:lstStyle/>
           <a:p>
-            <a:pPr algn="ctr"/>
-            <a:endParaRPr lang="en-US"/>
-          </a:p>
-        </p:txBody>
-      </p:sp>
-      <p:pic>
-        <p:nvPicPr>
-          <p:cNvPr id="10" name="Picture 9">
-            <a:extLst>
-              <a:ext uri="{FF2B5EF4-FFF2-40B4-BE49-F238E27FC236}">
-                <a16:creationId xmlns:a16="http://schemas.microsoft.com/office/drawing/2014/main" id="{FA8FCEC6-4B30-4FF2-8B32-504BEAEA3A16}"/>
-              </a:ext>
-              <a:ext uri="{C183D7F6-B498-43B3-948B-1728B52AA6E4}">
-                <adec:decorative xmlns:adec="http://schemas.microsoft.com/office/drawing/2017/decorative" val="1"/>
-              </a:ext>
-            </a:extLst>
-          </p:cNvPr>
-          <p:cNvPicPr>
-            <a:picLocks noGrp="1" noRot="1" noChangeAspect="1" noMove="1" noResize="1" noEditPoints="1" noAdjustHandles="1" noChangeArrowheads="1" noChangeShapeType="1" noCrop="1"/>
-          </p:cNvPicPr>
-          <p:nvPr>
-            <p:extLst>
-              <p:ext uri="{386F3935-93C4-4BCD-93E2-E3B085C9AB24}">
-                <p16:designElem xmlns:p16="http://schemas.microsoft.com/office/powerpoint/2015/main" val="1"/>
-              </p:ext>
-            </p:extLst>
-          </p:nvPr>
-        </p:nvPicPr>
-        <p:blipFill>
-          <a:blip r:embed="rId2">
-            <a:extLst>
-              <a:ext uri="{28A0092B-C50C-407E-A947-70E740481C1C}">
-                <a14:useLocalDpi xmlns:a14="http://schemas.microsoft.com/office/drawing/2010/main" val="0"/>
-              </a:ext>
-            </a:extLst>
-          </a:blip>
-          <a:srcRect t="45716" b="9820"/>
-          <a:stretch>
-            <a:fillRect/>
-          </a:stretch>
-        </p:blipFill>
-        <p:spPr>
-          <a:xfrm>
-            <a:off x="0" y="3808676"/>
-            <a:ext cx="12192000" cy="3049325"/>
-          </a:xfrm>
-          <a:custGeom>
-            <a:avLst/>
-            <a:gdLst>
-              <a:gd name="connsiteX0" fmla="*/ 0 w 12192000"/>
-              <a:gd name="connsiteY0" fmla="*/ 0 h 3049325"/>
-              <a:gd name="connsiteX1" fmla="*/ 12192000 w 12192000"/>
-              <a:gd name="connsiteY1" fmla="*/ 0 h 3049325"/>
-              <a:gd name="connsiteX2" fmla="*/ 12192000 w 12192000"/>
-              <a:gd name="connsiteY2" fmla="*/ 3049325 h 3049325"/>
-              <a:gd name="connsiteX3" fmla="*/ 0 w 12192000"/>
-              <a:gd name="connsiteY3" fmla="*/ 3049325 h 3049325"/>
-            </a:gdLst>
-            <a:ahLst/>
-            <a:cxnLst>
-              <a:cxn ang="0">
-                <a:pos x="connsiteX0" y="connsiteY0"/>
-              </a:cxn>
-              <a:cxn ang="0">
-                <a:pos x="connsiteX1" y="connsiteY1"/>
-              </a:cxn>
-              <a:cxn ang="0">
-                <a:pos x="connsiteX2" y="connsiteY2"/>
-              </a:cxn>
-              <a:cxn ang="0">
-                <a:pos x="connsiteX3" y="connsiteY3"/>
-              </a:cxn>
-            </a:cxnLst>
-            <a:rect l="l" t="t" r="r" b="b"/>
-            <a:pathLst>
-              <a:path w="12192000" h="3049325">
-                <a:moveTo>
-                  <a:pt x="0" y="0"/>
-                </a:moveTo>
-                <a:lnTo>
-                  <a:pt x="12192000" y="0"/>
-                </a:lnTo>
-                <a:lnTo>
-                  <a:pt x="12192000" y="3049325"/>
-                </a:lnTo>
-                <a:lnTo>
-                  <a:pt x="0" y="3049325"/>
-                </a:lnTo>
-                <a:close/>
-              </a:path>
-            </a:pathLst>
-          </a:custGeom>
-        </p:spPr>
-      </p:pic>
+            <a:pPr marL="0" marR="0" lvl="0" indent="0" algn="ctr" defTabSz="914400" rtl="0" eaLnBrk="1" fontAlgn="auto" latinLnBrk="0" hangingPunct="1">
+              <a:lnSpc>
+                <a:spcPct val="100000"/>
+              </a:lnSpc>
+              <a:spcBef>
+                <a:spcPts val="0"/>
+              </a:spcBef>
+              <a:spcAft>
+                <a:spcPts val="0"/>
+              </a:spcAft>
+              <a:buClrTx/>
+              <a:buSzTx/>
+              <a:buFontTx/>
+              <a:buNone/>
+              <a:tabLst/>
+              <a:defRPr/>
+            </a:pPr>
+            <a:endParaRPr kumimoji="0" lang="en-US" sz="1800" b="0" i="0" u="none" strike="noStrike" kern="0" cap="none" spc="0" normalizeH="0" baseline="0" noProof="0">
+              <a:ln>
+                <a:noFill/>
+              </a:ln>
+              <a:solidFill>
+                <a:sysClr val="windowText" lastClr="000000"/>
+              </a:solidFill>
+              <a:effectLst/>
+              <a:uLnTx/>
+              <a:uFillTx/>
+              <a:latin typeface="Calibri" panose="020F0502020204030204"/>
+              <a:ea typeface="+mn-ea"/>
+              <a:cs typeface="+mn-cs"/>
+            </a:endParaRPr>
+          </a:p>
+        </p:txBody>
+      </p:sp>
       <p:sp>
         <p:nvSpPr>
           <p:cNvPr id="2" name="Title 1">
@@ -5132,54 +5135,38 @@
         </p:nvSpPr>
         <p:spPr>
           <a:xfrm>
-            <a:off x="804484" y="1191796"/>
-            <a:ext cx="10021446" cy="2976344"/>
-          </a:xfrm>
-        </p:spPr>
-        <p:txBody>
-          <a:bodyPr anchor="ctr">
+            <a:off x="1293026" y="713195"/>
+            <a:ext cx="9605948" cy="2318665"/>
+          </a:xfrm>
+        </p:spPr>
+        <p:txBody>
+          <a:bodyPr>
             <a:normAutofit/>
           </a:bodyPr>
           <a:lstStyle/>
           <a:p>
-            <a:pPr algn="l"/>
             <a:r>
-              <a:rPr lang="en-US" sz="6600" dirty="0">
+              <a:rPr lang="en-US" sz="5400">
                 <a:solidFill>
                   <a:srgbClr val="FFFFFF"/>
                 </a:solidFill>
               </a:rPr>
-              <a:t>Advertise-MEANT</a:t>
+              <a:t>Advertise-MEANT For You</a:t>
             </a:r>
             <a:br>
-              <a:rPr lang="en-US" sz="6600" dirty="0">
+              <a:rPr lang="en-US" sz="5400">
                 <a:solidFill>
                   <a:srgbClr val="FFFFFF"/>
                 </a:solidFill>
               </a:rPr>
             </a:br>
             <a:r>
-              <a:rPr lang="en-US" sz="6600" dirty="0">
+              <a:rPr lang="en-US" sz="5400">
                 <a:solidFill>
                   <a:srgbClr val="FFFFFF"/>
                 </a:solidFill>
               </a:rPr>
-              <a:t>For </a:t>
-            </a:r>
-            <a:br>
-              <a:rPr lang="en-US" sz="6600" dirty="0">
-                <a:solidFill>
-                  <a:srgbClr val="FFFFFF"/>
-                </a:solidFill>
-              </a:rPr>
-            </a:br>
-            <a:r>
-              <a:rPr lang="en-US" sz="6600" dirty="0">
-                <a:solidFill>
-                  <a:srgbClr val="FFFFFF"/>
-                </a:solidFill>
-              </a:rPr>
-              <a:t>You</a:t>
+              <a:t>Demo</a:t>
             </a:r>
           </a:p>
         </p:txBody>
@@ -5202,43 +5189,40 @@
         </p:nvSpPr>
         <p:spPr>
           <a:xfrm>
-            <a:off x="804788" y="5318990"/>
-            <a:ext cx="9416898" cy="1359080"/>
-          </a:xfrm>
-        </p:spPr>
-        <p:txBody>
-          <a:bodyPr anchor="t">
+            <a:off x="1627240" y="3031860"/>
+            <a:ext cx="8937522" cy="1059373"/>
+          </a:xfrm>
+        </p:spPr>
+        <p:txBody>
+          <a:bodyPr>
             <a:normAutofit/>
           </a:bodyPr>
           <a:lstStyle/>
           <a:p>
-            <a:pPr algn="l"/>
             <a:r>
-              <a:rPr lang="en-US" sz="1800" dirty="0">
+              <a:rPr lang="en-US" sz="1700">
                 <a:solidFill>
-                  <a:srgbClr val="000000"/>
+                  <a:srgbClr val="FFFFFF"/>
                 </a:solidFill>
               </a:rPr>
               <a:t>Aniruddha Das</a:t>
             </a:r>
           </a:p>
           <a:p>
-            <a:pPr algn="l"/>
             <a:r>
-              <a:rPr lang="en-US" sz="1800" dirty="0">
+              <a:rPr lang="en-US" sz="1700">
                 <a:solidFill>
-                  <a:srgbClr val="000000"/>
+                  <a:srgbClr val="FFFFFF"/>
                 </a:solidFill>
               </a:rPr>
               <a:t>Sanath Nagaraj</a:t>
             </a:r>
           </a:p>
           <a:p>
-            <a:pPr algn="l"/>
             <a:r>
-              <a:rPr lang="en-US" sz="1800" dirty="0">
+              <a:rPr lang="en-US" sz="1700">
                 <a:solidFill>
-                  <a:srgbClr val="000000"/>
+                  <a:srgbClr val="FFFFFF"/>
                 </a:solidFill>
               </a:rPr>
               <a:t>Ranveer Uppal</a:t>
@@ -5246,6 +5230,45 @@
           </a:p>
         </p:txBody>
       </p:sp>
+      <p:pic>
+        <p:nvPicPr>
+          <p:cNvPr id="49" name="Graphic 13" descr="Teacher">
+            <a:extLst>
+              <a:ext uri="{FF2B5EF4-FFF2-40B4-BE49-F238E27FC236}">
+                <a16:creationId xmlns:a16="http://schemas.microsoft.com/office/drawing/2014/main" id="{7C597BC2-9074-4B8B-B229-9E89813DD6BE}"/>
+              </a:ext>
+            </a:extLst>
+          </p:cNvPr>
+          <p:cNvPicPr>
+            <a:picLocks noChangeAspect="1"/>
+          </p:cNvPicPr>
+          <p:nvPr/>
+        </p:nvPicPr>
+        <p:blipFill>
+          <a:blip r:embed="rId2">
+            <a:extLst>
+              <a:ext uri="{28A0092B-C50C-407E-A947-70E740481C1C}">
+                <a14:useLocalDpi xmlns:a14="http://schemas.microsoft.com/office/drawing/2010/main" val="0"/>
+              </a:ext>
+              <a:ext uri="{96DAC541-7B7A-43D3-8B79-37D633B846F1}">
+                <asvg:svgBlip xmlns:asvg="http://schemas.microsoft.com/office/drawing/2016/SVG/main" r:embed="rId3"/>
+              </a:ext>
+            </a:extLst>
+          </a:blip>
+          <a:stretch>
+            <a:fillRect/>
+          </a:stretch>
+        </p:blipFill>
+        <p:spPr>
+          <a:xfrm>
+            <a:off x="5506089" y="4805363"/>
+            <a:ext cx="1179824" cy="1179824"/>
+          </a:xfrm>
+          <a:prstGeom prst="rect">
+            <a:avLst/>
+          </a:prstGeom>
+        </p:spPr>
+      </p:pic>
     </p:spTree>
     <p:extLst>
       <p:ext uri="{BB962C8B-B14F-4D97-AF65-F5344CB8AC3E}">
@@ -5256,11 +5279,11 @@
   <p:clrMapOvr>
     <a:masterClrMapping/>
   </p:clrMapOvr>
-  <mc:AlternateContent xmlns:mc="http://schemas.openxmlformats.org/markup-compatibility/2006">
-    <mc:Choice xmlns:p14="http://schemas.microsoft.com/office/powerpoint/2010/main" Requires="p14">
+  <mc:AlternateContent xmlns:mc="http://schemas.openxmlformats.org/markup-compatibility/2006" xmlns:p14="http://schemas.microsoft.com/office/powerpoint/2010/main">
+    <mc:Choice Requires="p14">
       <p:transition spd="slow" p14:dur="2000" advTm="3000"/>
     </mc:Choice>
-    <mc:Fallback>
+    <mc:Fallback xmlns="">
       <p:transition spd="slow" advTm="3000"/>
     </mc:Fallback>
   </mc:AlternateContent>
@@ -5576,11 +5599,11 @@
   <p:clrMapOvr>
     <a:masterClrMapping/>
   </p:clrMapOvr>
-  <mc:AlternateContent xmlns:mc="http://schemas.openxmlformats.org/markup-compatibility/2006">
-    <mc:Choice xmlns:p14="http://schemas.microsoft.com/office/powerpoint/2010/main" Requires="p14">
+  <mc:AlternateContent xmlns:mc="http://schemas.openxmlformats.org/markup-compatibility/2006" xmlns:p14="http://schemas.microsoft.com/office/powerpoint/2010/main">
+    <mc:Choice Requires="p14">
       <p:transition spd="slow" p14:dur="2000" advTm="2000"/>
     </mc:Choice>
-    <mc:Fallback>
+    <mc:Fallback xmlns="">
       <p:transition spd="slow" advTm="2000"/>
     </mc:Fallback>
   </mc:AlternateContent>
@@ -5894,11 +5917,11 @@
   <p:clrMapOvr>
     <a:masterClrMapping/>
   </p:clrMapOvr>
-  <mc:AlternateContent xmlns:mc="http://schemas.openxmlformats.org/markup-compatibility/2006">
-    <mc:Choice xmlns:p14="http://schemas.microsoft.com/office/powerpoint/2010/main" Requires="p14">
+  <mc:AlternateContent xmlns:mc="http://schemas.openxmlformats.org/markup-compatibility/2006" xmlns:p14="http://schemas.microsoft.com/office/powerpoint/2010/main">
+    <mc:Choice Requires="p14">
       <p:transition spd="slow" p14:dur="2000" advTm="2000"/>
     </mc:Choice>
-    <mc:Fallback>
+    <mc:Fallback xmlns="">
       <p:transition spd="slow" advTm="2000"/>
     </mc:Fallback>
   </mc:AlternateContent>
@@ -6212,11 +6235,11 @@
   <p:clrMapOvr>
     <a:masterClrMapping/>
   </p:clrMapOvr>
-  <mc:AlternateContent xmlns:mc="http://schemas.openxmlformats.org/markup-compatibility/2006">
-    <mc:Choice xmlns:p14="http://schemas.microsoft.com/office/powerpoint/2010/main" Requires="p14">
+  <mc:AlternateContent xmlns:mc="http://schemas.openxmlformats.org/markup-compatibility/2006" xmlns:p14="http://schemas.microsoft.com/office/powerpoint/2010/main">
+    <mc:Choice Requires="p14">
       <p:transition spd="slow" p14:dur="2000" advTm="2000"/>
     </mc:Choice>
-    <mc:Fallback>
+    <mc:Fallback xmlns="">
       <p:transition spd="slow" advTm="2000"/>
     </mc:Fallback>
   </mc:AlternateContent>
@@ -6536,11 +6559,11 @@
   <p:clrMapOvr>
     <a:masterClrMapping/>
   </p:clrMapOvr>
-  <mc:AlternateContent xmlns:mc="http://schemas.openxmlformats.org/markup-compatibility/2006">
-    <mc:Choice xmlns:p14="http://schemas.microsoft.com/office/powerpoint/2010/main" Requires="p14">
+  <mc:AlternateContent xmlns:mc="http://schemas.openxmlformats.org/markup-compatibility/2006" xmlns:p14="http://schemas.microsoft.com/office/powerpoint/2010/main">
+    <mc:Choice Requires="p14">
       <p:transition spd="slow" p14:dur="2000" advTm="2000"/>
     </mc:Choice>
-    <mc:Fallback>
+    <mc:Fallback xmlns="">
       <p:transition spd="slow" advTm="2000"/>
     </mc:Fallback>
   </mc:AlternateContent>
@@ -6856,11 +6879,11 @@
   <p:clrMapOvr>
     <a:masterClrMapping/>
   </p:clrMapOvr>
-  <mc:AlternateContent xmlns:mc="http://schemas.openxmlformats.org/markup-compatibility/2006">
-    <mc:Choice xmlns:p14="http://schemas.microsoft.com/office/powerpoint/2010/main" Requires="p14">
+  <mc:AlternateContent xmlns:mc="http://schemas.openxmlformats.org/markup-compatibility/2006" xmlns:p14="http://schemas.microsoft.com/office/powerpoint/2010/main">
+    <mc:Choice Requires="p14">
       <p:transition spd="slow" p14:dur="2000" advTm="2000"/>
     </mc:Choice>
-    <mc:Fallback>
+    <mc:Fallback xmlns="">
       <p:transition spd="slow" advTm="2000"/>
     </mc:Fallback>
   </mc:AlternateContent>
@@ -7176,11 +7199,11 @@
   <p:clrMapOvr>
     <a:masterClrMapping/>
   </p:clrMapOvr>
-  <mc:AlternateContent xmlns:mc="http://schemas.openxmlformats.org/markup-compatibility/2006">
-    <mc:Choice xmlns:p14="http://schemas.microsoft.com/office/powerpoint/2010/main" Requires="p14">
+  <mc:AlternateContent xmlns:mc="http://schemas.openxmlformats.org/markup-compatibility/2006" xmlns:p14="http://schemas.microsoft.com/office/powerpoint/2010/main">
+    <mc:Choice Requires="p14">
       <p:transition spd="slow" p14:dur="2000" advTm="2000"/>
     </mc:Choice>
-    <mc:Fallback>
+    <mc:Fallback xmlns="">
       <p:transition spd="slow" advTm="2000"/>
     </mc:Fallback>
   </mc:AlternateContent>
@@ -7494,11 +7517,11 @@
   <p:clrMapOvr>
     <a:masterClrMapping/>
   </p:clrMapOvr>
-  <mc:AlternateContent xmlns:mc="http://schemas.openxmlformats.org/markup-compatibility/2006">
-    <mc:Choice xmlns:p14="http://schemas.microsoft.com/office/powerpoint/2010/main" Requires="p14">
+  <mc:AlternateContent xmlns:mc="http://schemas.openxmlformats.org/markup-compatibility/2006" xmlns:p14="http://schemas.microsoft.com/office/powerpoint/2010/main">
+    <mc:Choice Requires="p14">
       <p:transition spd="slow" p14:dur="2000" advTm="2000"/>
     </mc:Choice>
-    <mc:Fallback>
+    <mc:Fallback xmlns="">
       <p:transition spd="slow" advTm="2000"/>
     </mc:Fallback>
   </mc:AlternateContent>
@@ -7814,11 +7837,11 @@
   <p:clrMapOvr>
     <a:masterClrMapping/>
   </p:clrMapOvr>
-  <mc:AlternateContent xmlns:mc="http://schemas.openxmlformats.org/markup-compatibility/2006">
-    <mc:Choice xmlns:p14="http://schemas.microsoft.com/office/powerpoint/2010/main" Requires="p14">
+  <mc:AlternateContent xmlns:mc="http://schemas.openxmlformats.org/markup-compatibility/2006" xmlns:p14="http://schemas.microsoft.com/office/powerpoint/2010/main">
+    <mc:Choice Requires="p14">
       <p:transition spd="slow" p14:dur="2000" advTm="2000"/>
     </mc:Choice>
-    <mc:Fallback>
+    <mc:Fallback xmlns="">
       <p:transition spd="slow" advTm="2000"/>
     </mc:Fallback>
   </mc:AlternateContent>
@@ -8132,11 +8155,11 @@
   <p:clrMapOvr>
     <a:masterClrMapping/>
   </p:clrMapOvr>
-  <mc:AlternateContent xmlns:mc="http://schemas.openxmlformats.org/markup-compatibility/2006">
-    <mc:Choice xmlns:p14="http://schemas.microsoft.com/office/powerpoint/2010/main" Requires="p14">
+  <mc:AlternateContent xmlns:mc="http://schemas.openxmlformats.org/markup-compatibility/2006" xmlns:p14="http://schemas.microsoft.com/office/powerpoint/2010/main">
+    <mc:Choice Requires="p14">
       <p:transition spd="slow" p14:dur="2000" advTm="2000"/>
     </mc:Choice>
-    <mc:Fallback>
+    <mc:Fallback xmlns="">
       <p:transition spd="slow" advTm="2000"/>
     </mc:Fallback>
   </mc:AlternateContent>
@@ -8452,11 +8475,11 @@
   <p:clrMapOvr>
     <a:masterClrMapping/>
   </p:clrMapOvr>
-  <mc:AlternateContent xmlns:mc="http://schemas.openxmlformats.org/markup-compatibility/2006">
-    <mc:Choice xmlns:p14="http://schemas.microsoft.com/office/powerpoint/2010/main" Requires="p14">
+  <mc:AlternateContent xmlns:mc="http://schemas.openxmlformats.org/markup-compatibility/2006" xmlns:p14="http://schemas.microsoft.com/office/powerpoint/2010/main">
+    <mc:Choice Requires="p14">
       <p:transition spd="slow" p14:dur="2000" advTm="2000"/>
     </mc:Choice>
-    <mc:Fallback>
+    <mc:Fallback xmlns="">
       <p:transition spd="slow" advTm="2000"/>
     </mc:Fallback>
   </mc:AlternateContent>
@@ -8804,11 +8827,11 @@
   <p:clrMapOvr>
     <a:masterClrMapping/>
   </p:clrMapOvr>
-  <mc:AlternateContent xmlns:mc="http://schemas.openxmlformats.org/markup-compatibility/2006">
-    <mc:Choice xmlns:p14="http://schemas.microsoft.com/office/powerpoint/2010/main" Requires="p14">
+  <mc:AlternateContent xmlns:mc="http://schemas.openxmlformats.org/markup-compatibility/2006" xmlns:p14="http://schemas.microsoft.com/office/powerpoint/2010/main">
+    <mc:Choice Requires="p14">
       <p:transition spd="slow" p14:dur="2000" advTm="2000"/>
     </mc:Choice>
-    <mc:Fallback>
+    <mc:Fallback xmlns="">
       <p:transition spd="slow" advTm="2000"/>
     </mc:Fallback>
   </mc:AlternateContent>
